--- a/Textbooks/Deepto Chakrabarty.pptx
+++ b/Textbooks/Deepto Chakrabarty.pptx
@@ -512,6 +512,14 @@
             <a:br/>
             <a:r>
               <a:t># Textbook</a:t>
+            </a:r>
+            <a:br/>
+            <a:r>
+              <a:t>Knight, Physics for Scientists and Engineers: A Strategic Approach with Modern Physics, 3rd Edition, Chapter 24 </a:t>
+            </a:r>
+            <a:br/>
+            <a:r>
+              <a:t>Knight, Physics for Scientists and Engineers: A Strategic Approach with Modern Physics, 3rd Edition, Chapter 13</a:t>
             </a:r>
             <a:br/>
             <a:br/>
